--- a/Strategy.pptx
+++ b/Strategy.pptx
@@ -7,6 +7,15 @@
   <p:sldIdLst>
     <p:sldId id="256" r:id="rId2"/>
     <p:sldId id="257" r:id="rId3"/>
+    <p:sldId id="265" r:id="rId4"/>
+    <p:sldId id="258" r:id="rId5"/>
+    <p:sldId id="259" r:id="rId6"/>
+    <p:sldId id="260" r:id="rId7"/>
+    <p:sldId id="264" r:id="rId8"/>
+    <p:sldId id="266" r:id="rId9"/>
+    <p:sldId id="267" r:id="rId10"/>
+    <p:sldId id="263" r:id="rId11"/>
+    <p:sldId id="261" r:id="rId12"/>
   </p:sldIdLst>
   <p:sldSz cx="12192000" cy="6858000"/>
   <p:notesSz cx="6858000" cy="9144000"/>
@@ -262,7 +271,7 @@
           <a:p>
             <a:fld id="{5B5D1A63-7044-4478-9483-19994E287628}" type="datetimeFigureOut">
               <a:rPr lang="en-IN" smtClean="0"/>
-              <a:t>30-05-2025</a:t>
+              <a:t>21-06-2025</a:t>
             </a:fld>
             <a:endParaRPr lang="en-IN"/>
           </a:p>
@@ -462,7 +471,7 @@
           <a:p>
             <a:fld id="{5B5D1A63-7044-4478-9483-19994E287628}" type="datetimeFigureOut">
               <a:rPr lang="en-IN" smtClean="0"/>
-              <a:t>30-05-2025</a:t>
+              <a:t>21-06-2025</a:t>
             </a:fld>
             <a:endParaRPr lang="en-IN"/>
           </a:p>
@@ -672,7 +681,7 @@
           <a:p>
             <a:fld id="{5B5D1A63-7044-4478-9483-19994E287628}" type="datetimeFigureOut">
               <a:rPr lang="en-IN" smtClean="0"/>
-              <a:t>30-05-2025</a:t>
+              <a:t>21-06-2025</a:t>
             </a:fld>
             <a:endParaRPr lang="en-IN"/>
           </a:p>
@@ -872,7 +881,7 @@
           <a:p>
             <a:fld id="{5B5D1A63-7044-4478-9483-19994E287628}" type="datetimeFigureOut">
               <a:rPr lang="en-IN" smtClean="0"/>
-              <a:t>30-05-2025</a:t>
+              <a:t>21-06-2025</a:t>
             </a:fld>
             <a:endParaRPr lang="en-IN"/>
           </a:p>
@@ -1148,7 +1157,7 @@
           <a:p>
             <a:fld id="{5B5D1A63-7044-4478-9483-19994E287628}" type="datetimeFigureOut">
               <a:rPr lang="en-IN" smtClean="0"/>
-              <a:t>30-05-2025</a:t>
+              <a:t>21-06-2025</a:t>
             </a:fld>
             <a:endParaRPr lang="en-IN"/>
           </a:p>
@@ -1416,7 +1425,7 @@
           <a:p>
             <a:fld id="{5B5D1A63-7044-4478-9483-19994E287628}" type="datetimeFigureOut">
               <a:rPr lang="en-IN" smtClean="0"/>
-              <a:t>30-05-2025</a:t>
+              <a:t>21-06-2025</a:t>
             </a:fld>
             <a:endParaRPr lang="en-IN"/>
           </a:p>
@@ -1831,7 +1840,7 @@
           <a:p>
             <a:fld id="{5B5D1A63-7044-4478-9483-19994E287628}" type="datetimeFigureOut">
               <a:rPr lang="en-IN" smtClean="0"/>
-              <a:t>30-05-2025</a:t>
+              <a:t>21-06-2025</a:t>
             </a:fld>
             <a:endParaRPr lang="en-IN"/>
           </a:p>
@@ -1973,7 +1982,7 @@
           <a:p>
             <a:fld id="{5B5D1A63-7044-4478-9483-19994E287628}" type="datetimeFigureOut">
               <a:rPr lang="en-IN" smtClean="0"/>
-              <a:t>30-05-2025</a:t>
+              <a:t>21-06-2025</a:t>
             </a:fld>
             <a:endParaRPr lang="en-IN"/>
           </a:p>
@@ -2086,7 +2095,7 @@
           <a:p>
             <a:fld id="{5B5D1A63-7044-4478-9483-19994E287628}" type="datetimeFigureOut">
               <a:rPr lang="en-IN" smtClean="0"/>
-              <a:t>30-05-2025</a:t>
+              <a:t>21-06-2025</a:t>
             </a:fld>
             <a:endParaRPr lang="en-IN"/>
           </a:p>
@@ -2399,7 +2408,7 @@
           <a:p>
             <a:fld id="{5B5D1A63-7044-4478-9483-19994E287628}" type="datetimeFigureOut">
               <a:rPr lang="en-IN" smtClean="0"/>
-              <a:t>30-05-2025</a:t>
+              <a:t>21-06-2025</a:t>
             </a:fld>
             <a:endParaRPr lang="en-IN"/>
           </a:p>
@@ -2688,7 +2697,7 @@
           <a:p>
             <a:fld id="{5B5D1A63-7044-4478-9483-19994E287628}" type="datetimeFigureOut">
               <a:rPr lang="en-IN" smtClean="0"/>
-              <a:t>30-05-2025</a:t>
+              <a:t>21-06-2025</a:t>
             </a:fld>
             <a:endParaRPr lang="en-IN"/>
           </a:p>
@@ -2931,7 +2940,7 @@
           <a:p>
             <a:fld id="{5B5D1A63-7044-4478-9483-19994E287628}" type="datetimeFigureOut">
               <a:rPr lang="en-IN" smtClean="0"/>
-              <a:t>30-05-2025</a:t>
+              <a:t>21-06-2025</a:t>
             </a:fld>
             <a:endParaRPr lang="en-IN"/>
           </a:p>
@@ -3398,10 +3407,6 @@
           <a:bodyPr/>
           <a:lstStyle/>
           <a:p>
-            <a:r>
-              <a:rPr lang="en-US" dirty="0"/>
-              <a:t>Using Eurobarometer Data</a:t>
-            </a:r>
             <a:endParaRPr lang="en-IN" dirty="0"/>
           </a:p>
         </p:txBody>
@@ -3410,6 +3415,285 @@
     <p:extLst>
       <p:ext uri="{BB962C8B-B14F-4D97-AF65-F5344CB8AC3E}">
         <p14:creationId xmlns:p14="http://schemas.microsoft.com/office/powerpoint/2010/main" val="1076200187"/>
+      </p:ext>
+    </p:extLst>
+  </p:cSld>
+  <p:clrMapOvr>
+    <a:masterClrMapping/>
+  </p:clrMapOvr>
+</p:sld>
+</file>
+
+<file path=ppt/slides/slide10.xml><?xml version="1.0" encoding="utf-8"?>
+<p:sld xmlns:a="http://schemas.openxmlformats.org/drawingml/2006/main" xmlns:r="http://schemas.openxmlformats.org/officeDocument/2006/relationships" xmlns:p="http://schemas.openxmlformats.org/presentationml/2006/main">
+  <p:cSld>
+    <p:spTree>
+      <p:nvGrpSpPr>
+        <p:cNvPr id="1" name=""/>
+        <p:cNvGrpSpPr/>
+        <p:nvPr/>
+      </p:nvGrpSpPr>
+      <p:grpSpPr>
+        <a:xfrm>
+          <a:off x="0" y="0"/>
+          <a:ext cx="0" cy="0"/>
+          <a:chOff x="0" y="0"/>
+          <a:chExt cx="0" cy="0"/>
+        </a:xfrm>
+      </p:grpSpPr>
+      <p:sp>
+        <p:nvSpPr>
+          <p:cNvPr id="2" name="Title 1">
+            <a:extLst>
+              <a:ext uri="{FF2B5EF4-FFF2-40B4-BE49-F238E27FC236}">
+                <a16:creationId xmlns:a16="http://schemas.microsoft.com/office/drawing/2014/main" id="{E05A8BEA-60C9-B393-66C7-BE5FF6A8BBBD}"/>
+              </a:ext>
+            </a:extLst>
+          </p:cNvPr>
+          <p:cNvSpPr>
+            <a:spLocks noGrp="1"/>
+          </p:cNvSpPr>
+          <p:nvPr>
+            <p:ph type="title"/>
+          </p:nvPr>
+        </p:nvSpPr>
+        <p:spPr/>
+        <p:txBody>
+          <a:bodyPr>
+            <a:normAutofit/>
+          </a:bodyPr>
+          <a:lstStyle/>
+          <a:p>
+            <a:r>
+              <a:rPr lang="en-US" dirty="0"/>
+              <a:t>Our model might not produce normal outcomes</a:t>
+            </a:r>
+            <a:endParaRPr lang="en-IN" dirty="0"/>
+          </a:p>
+        </p:txBody>
+      </p:sp>
+      <p:pic>
+        <p:nvPicPr>
+          <p:cNvPr id="5" name="Content Placeholder 4">
+            <a:extLst>
+              <a:ext uri="{FF2B5EF4-FFF2-40B4-BE49-F238E27FC236}">
+                <a16:creationId xmlns:a16="http://schemas.microsoft.com/office/drawing/2014/main" id="{F6A5A586-D245-62E0-EDB9-CA91F5757646}"/>
+              </a:ext>
+            </a:extLst>
+          </p:cNvPr>
+          <p:cNvPicPr>
+            <a:picLocks noGrp="1" noChangeAspect="1"/>
+          </p:cNvPicPr>
+          <p:nvPr>
+            <p:ph idx="1"/>
+          </p:nvPr>
+        </p:nvPicPr>
+        <p:blipFill>
+          <a:blip r:embed="rId2">
+            <a:extLst>
+              <a:ext uri="{28A0092B-C50C-407E-A947-70E740481C1C}">
+                <a14:useLocalDpi xmlns:a14="http://schemas.microsoft.com/office/drawing/2010/main" val="0"/>
+              </a:ext>
+            </a:extLst>
+          </a:blip>
+          <a:stretch>
+            <a:fillRect/>
+          </a:stretch>
+        </p:blipFill>
+        <p:spPr>
+          <a:xfrm>
+            <a:off x="2346793" y="2218349"/>
+            <a:ext cx="7252230" cy="4351338"/>
+          </a:xfrm>
+        </p:spPr>
+      </p:pic>
+      <p:sp>
+        <p:nvSpPr>
+          <p:cNvPr id="6" name="TextBox 5">
+            <a:extLst>
+              <a:ext uri="{FF2B5EF4-FFF2-40B4-BE49-F238E27FC236}">
+                <a16:creationId xmlns:a16="http://schemas.microsoft.com/office/drawing/2014/main" id="{210E2399-1F4C-AA25-5AE6-AFC602D495ED}"/>
+              </a:ext>
+            </a:extLst>
+          </p:cNvPr>
+          <p:cNvSpPr txBox="1"/>
+          <p:nvPr/>
+        </p:nvSpPr>
+        <p:spPr>
+          <a:xfrm>
+            <a:off x="1043354" y="1922585"/>
+            <a:ext cx="4800600" cy="369332"/>
+          </a:xfrm>
+          <a:prstGeom prst="rect">
+            <a:avLst/>
+          </a:prstGeom>
+          <a:noFill/>
+        </p:spPr>
+        <p:txBody>
+          <a:bodyPr wrap="square" rtlCol="0">
+            <a:spAutoFit/>
+          </a:bodyPr>
+          <a:lstStyle/>
+          <a:p>
+            <a:r>
+              <a:rPr lang="en-US" dirty="0"/>
+              <a:t>Heavy convergence</a:t>
+            </a:r>
+            <a:endParaRPr lang="en-IN" dirty="0"/>
+          </a:p>
+        </p:txBody>
+      </p:sp>
+    </p:spTree>
+    <p:extLst>
+      <p:ext uri="{BB962C8B-B14F-4D97-AF65-F5344CB8AC3E}">
+        <p14:creationId xmlns:p14="http://schemas.microsoft.com/office/powerpoint/2010/main" val="3862020088"/>
+      </p:ext>
+    </p:extLst>
+  </p:cSld>
+  <p:clrMapOvr>
+    <a:masterClrMapping/>
+  </p:clrMapOvr>
+</p:sld>
+</file>
+
+<file path=ppt/slides/slide11.xml><?xml version="1.0" encoding="utf-8"?>
+<p:sld xmlns:a="http://schemas.openxmlformats.org/drawingml/2006/main" xmlns:r="http://schemas.openxmlformats.org/officeDocument/2006/relationships" xmlns:p="http://schemas.openxmlformats.org/presentationml/2006/main">
+  <p:cSld>
+    <p:spTree>
+      <p:nvGrpSpPr>
+        <p:cNvPr id="1" name=""/>
+        <p:cNvGrpSpPr/>
+        <p:nvPr/>
+      </p:nvGrpSpPr>
+      <p:grpSpPr>
+        <a:xfrm>
+          <a:off x="0" y="0"/>
+          <a:ext cx="0" cy="0"/>
+          <a:chOff x="0" y="0"/>
+          <a:chExt cx="0" cy="0"/>
+        </a:xfrm>
+      </p:grpSpPr>
+      <p:sp>
+        <p:nvSpPr>
+          <p:cNvPr id="2" name="Title 1">
+            <a:extLst>
+              <a:ext uri="{FF2B5EF4-FFF2-40B4-BE49-F238E27FC236}">
+                <a16:creationId xmlns:a16="http://schemas.microsoft.com/office/drawing/2014/main" id="{33C21DE7-BCDA-433C-D5AC-118715243FC7}"/>
+              </a:ext>
+            </a:extLst>
+          </p:cNvPr>
+          <p:cNvSpPr>
+            <a:spLocks noGrp="1"/>
+          </p:cNvSpPr>
+          <p:nvPr>
+            <p:ph type="title"/>
+          </p:nvPr>
+        </p:nvSpPr>
+        <p:spPr/>
+        <p:txBody>
+          <a:bodyPr/>
+          <a:lstStyle/>
+          <a:p>
+            <a:r>
+              <a:rPr lang="en-US" dirty="0"/>
+              <a:t>Takeaways/Questions</a:t>
+            </a:r>
+            <a:endParaRPr lang="en-IN" dirty="0"/>
+          </a:p>
+        </p:txBody>
+      </p:sp>
+      <p:sp>
+        <p:nvSpPr>
+          <p:cNvPr id="3" name="Content Placeholder 2">
+            <a:extLst>
+              <a:ext uri="{FF2B5EF4-FFF2-40B4-BE49-F238E27FC236}">
+                <a16:creationId xmlns:a16="http://schemas.microsoft.com/office/drawing/2014/main" id="{67E0D10B-4FFD-DA7C-1769-5B40712E0D0C}"/>
+              </a:ext>
+            </a:extLst>
+          </p:cNvPr>
+          <p:cNvSpPr>
+            <a:spLocks noGrp="1"/>
+          </p:cNvSpPr>
+          <p:nvPr>
+            <p:ph idx="1"/>
+          </p:nvPr>
+        </p:nvSpPr>
+        <p:spPr/>
+        <p:txBody>
+          <a:bodyPr>
+            <a:normAutofit fontScale="85000" lnSpcReduction="20000"/>
+          </a:bodyPr>
+          <a:lstStyle/>
+          <a:p>
+            <a:r>
+              <a:rPr lang="en-US" dirty="0"/>
+              <a:t>Opinion distributions from EP data tend to be roughly symmetric and Gaussian to a first approximation, but usually have fat tails.</a:t>
+            </a:r>
+          </a:p>
+          <a:p>
+            <a:r>
+              <a:rPr lang="en-US" dirty="0"/>
+              <a:t>These distributions look very stable over time, and do not appear to show polarization as we may expect.</a:t>
+            </a:r>
+          </a:p>
+          <a:p>
+            <a:r>
+              <a:rPr lang="en-US" dirty="0"/>
+              <a:t>We could do a two-step model-to-data comparison approach: first find parameter subrange that produce similar outcomes based on a single metric (</a:t>
+            </a:r>
+            <a:r>
+              <a:rPr lang="el-GR" dirty="0"/>
+              <a:t>σ</a:t>
+            </a:r>
+            <a:r>
+              <a:rPr lang="en-US" dirty="0"/>
+              <a:t>), then within that subrange search for model outcomes that match the whole distribution.</a:t>
+            </a:r>
+          </a:p>
+          <a:p>
+            <a:r>
+              <a:rPr lang="en-US" dirty="0"/>
+              <a:t>Possible comparison approaches:</a:t>
+            </a:r>
+          </a:p>
+          <a:p>
+            <a:pPr marL="914400" lvl="1" indent="-457200">
+              <a:buFont typeface="+mj-lt"/>
+              <a:buAutoNum type="arabicPeriod"/>
+            </a:pPr>
+            <a:r>
+              <a:rPr lang="en-US" dirty="0"/>
+              <a:t>Compare point-wise on the 10-point left-right scale.</a:t>
+            </a:r>
+          </a:p>
+          <a:p>
+            <a:pPr marL="914400" lvl="1" indent="-457200">
+              <a:buFont typeface="+mj-lt"/>
+              <a:buAutoNum type="arabicPeriod"/>
+            </a:pPr>
+            <a:r>
+              <a:rPr lang="en-US" dirty="0"/>
+              <a:t>Use a mixture model to model the Eurobarometer data.</a:t>
+            </a:r>
+          </a:p>
+          <a:p>
+            <a:r>
+              <a:rPr lang="en-US" dirty="0"/>
+              <a:t>How might one model EP data as a mixture model – Gaussian + ?</a:t>
+            </a:r>
+          </a:p>
+          <a:p>
+            <a:r>
+              <a:rPr lang="en-US" dirty="0"/>
+              <a:t>What might one do to make our model generate more stably gaussian-looking outcomes.</a:t>
+            </a:r>
+          </a:p>
+        </p:txBody>
+      </p:sp>
+    </p:spTree>
+    <p:extLst>
+      <p:ext uri="{BB962C8B-B14F-4D97-AF65-F5344CB8AC3E}">
+        <p14:creationId xmlns:p14="http://schemas.microsoft.com/office/powerpoint/2010/main" val="1770425528"/>
       </p:ext>
     </p:extLst>
   </p:cSld>
@@ -3457,39 +3741,711 @@
           <a:bodyPr/>
           <a:lstStyle/>
           <a:p>
+            <a:r>
+              <a:rPr lang="en-US" dirty="0"/>
+              <a:t>Fat left tail - Spain</a:t>
+            </a:r>
             <a:endParaRPr lang="en-IN" dirty="0"/>
           </a:p>
         </p:txBody>
       </p:sp>
-      <p:sp>
-        <p:nvSpPr>
-          <p:cNvPr id="3" name="Content Placeholder 2">
-            <a:extLst>
-              <a:ext uri="{FF2B5EF4-FFF2-40B4-BE49-F238E27FC236}">
-                <a16:creationId xmlns:a16="http://schemas.microsoft.com/office/drawing/2014/main" id="{9F8763F9-17CE-2B92-D415-66CD1695E30A}"/>
-              </a:ext>
-            </a:extLst>
-          </p:cNvPr>
-          <p:cNvSpPr>
-            <a:spLocks noGrp="1"/>
-          </p:cNvSpPr>
+      <p:pic>
+        <p:nvPicPr>
+          <p:cNvPr id="5" name="Content Placeholder 4">
+            <a:extLst>
+              <a:ext uri="{FF2B5EF4-FFF2-40B4-BE49-F238E27FC236}">
+                <a16:creationId xmlns:a16="http://schemas.microsoft.com/office/drawing/2014/main" id="{B668CEE7-F3CC-6FC4-CCE3-66CC003CEF37}"/>
+              </a:ext>
+            </a:extLst>
+          </p:cNvPr>
+          <p:cNvPicPr>
+            <a:picLocks noGrp="1" noChangeAspect="1"/>
+          </p:cNvPicPr>
           <p:nvPr>
             <p:ph idx="1"/>
           </p:nvPr>
-        </p:nvSpPr>
-        <p:spPr/>
-        <p:txBody>
-          <a:bodyPr/>
-          <a:lstStyle/>
-          <a:p>
-            <a:endParaRPr lang="en-IN"/>
-          </a:p>
-        </p:txBody>
-      </p:sp>
+        </p:nvPicPr>
+        <p:blipFill>
+          <a:blip r:embed="rId2">
+            <a:extLst>
+              <a:ext uri="{28A0092B-C50C-407E-A947-70E740481C1C}">
+                <a14:useLocalDpi xmlns:a14="http://schemas.microsoft.com/office/drawing/2010/main" val="0"/>
+              </a:ext>
+            </a:extLst>
+          </a:blip>
+          <a:stretch>
+            <a:fillRect/>
+          </a:stretch>
+        </p:blipFill>
+        <p:spPr>
+          <a:xfrm>
+            <a:off x="856249" y="1400908"/>
+            <a:ext cx="10570793" cy="5246077"/>
+          </a:xfrm>
+        </p:spPr>
+      </p:pic>
     </p:spTree>
     <p:extLst>
       <p:ext uri="{BB962C8B-B14F-4D97-AF65-F5344CB8AC3E}">
         <p14:creationId xmlns:p14="http://schemas.microsoft.com/office/powerpoint/2010/main" val="1976030500"/>
+      </p:ext>
+    </p:extLst>
+  </p:cSld>
+  <p:clrMapOvr>
+    <a:masterClrMapping/>
+  </p:clrMapOvr>
+</p:sld>
+</file>
+
+<file path=ppt/slides/slide3.xml><?xml version="1.0" encoding="utf-8"?>
+<p:sld xmlns:a="http://schemas.openxmlformats.org/drawingml/2006/main" xmlns:r="http://schemas.openxmlformats.org/officeDocument/2006/relationships" xmlns:p="http://schemas.openxmlformats.org/presentationml/2006/main">
+  <p:cSld>
+    <p:spTree>
+      <p:nvGrpSpPr>
+        <p:cNvPr id="1" name=""/>
+        <p:cNvGrpSpPr/>
+        <p:nvPr/>
+      </p:nvGrpSpPr>
+      <p:grpSpPr>
+        <a:xfrm>
+          <a:off x="0" y="0"/>
+          <a:ext cx="0" cy="0"/>
+          <a:chOff x="0" y="0"/>
+          <a:chExt cx="0" cy="0"/>
+        </a:xfrm>
+      </p:grpSpPr>
+      <p:sp>
+        <p:nvSpPr>
+          <p:cNvPr id="2" name="Title 1">
+            <a:extLst>
+              <a:ext uri="{FF2B5EF4-FFF2-40B4-BE49-F238E27FC236}">
+                <a16:creationId xmlns:a16="http://schemas.microsoft.com/office/drawing/2014/main" id="{D6B614B2-13B0-E42D-65B1-9BA81FC7D56B}"/>
+              </a:ext>
+            </a:extLst>
+          </p:cNvPr>
+          <p:cNvSpPr>
+            <a:spLocks noGrp="1"/>
+          </p:cNvSpPr>
+          <p:nvPr>
+            <p:ph type="title"/>
+          </p:nvPr>
+        </p:nvSpPr>
+        <p:spPr/>
+        <p:txBody>
+          <a:bodyPr/>
+          <a:lstStyle/>
+          <a:p>
+            <a:r>
+              <a:rPr lang="en-US" dirty="0"/>
+              <a:t>Fat left tail - Germany</a:t>
+            </a:r>
+            <a:endParaRPr lang="en-IN" dirty="0"/>
+          </a:p>
+        </p:txBody>
+      </p:sp>
+      <p:pic>
+        <p:nvPicPr>
+          <p:cNvPr id="5" name="Content Placeholder 4">
+            <a:extLst>
+              <a:ext uri="{FF2B5EF4-FFF2-40B4-BE49-F238E27FC236}">
+                <a16:creationId xmlns:a16="http://schemas.microsoft.com/office/drawing/2014/main" id="{BCA23804-9846-DA16-ED69-B3929F9D854C}"/>
+              </a:ext>
+            </a:extLst>
+          </p:cNvPr>
+          <p:cNvPicPr>
+            <a:picLocks noGrp="1" noChangeAspect="1"/>
+          </p:cNvPicPr>
+          <p:nvPr>
+            <p:ph idx="1"/>
+          </p:nvPr>
+        </p:nvPicPr>
+        <p:blipFill>
+          <a:blip r:embed="rId2">
+            <a:extLst>
+              <a:ext uri="{28A0092B-C50C-407E-A947-70E740481C1C}">
+                <a14:useLocalDpi xmlns:a14="http://schemas.microsoft.com/office/drawing/2010/main" val="0"/>
+              </a:ext>
+            </a:extLst>
+          </a:blip>
+          <a:stretch>
+            <a:fillRect/>
+          </a:stretch>
+        </p:blipFill>
+        <p:spPr>
+          <a:xfrm>
+            <a:off x="838200" y="1624263"/>
+            <a:ext cx="10024693" cy="4975058"/>
+          </a:xfrm>
+        </p:spPr>
+      </p:pic>
+    </p:spTree>
+    <p:extLst>
+      <p:ext uri="{BB962C8B-B14F-4D97-AF65-F5344CB8AC3E}">
+        <p14:creationId xmlns:p14="http://schemas.microsoft.com/office/powerpoint/2010/main" val="3590470255"/>
+      </p:ext>
+    </p:extLst>
+  </p:cSld>
+  <p:clrMapOvr>
+    <a:masterClrMapping/>
+  </p:clrMapOvr>
+</p:sld>
+</file>
+
+<file path=ppt/slides/slide4.xml><?xml version="1.0" encoding="utf-8"?>
+<p:sld xmlns:a="http://schemas.openxmlformats.org/drawingml/2006/main" xmlns:r="http://schemas.openxmlformats.org/officeDocument/2006/relationships" xmlns:p="http://schemas.openxmlformats.org/presentationml/2006/main">
+  <p:cSld>
+    <p:spTree>
+      <p:nvGrpSpPr>
+        <p:cNvPr id="1" name=""/>
+        <p:cNvGrpSpPr/>
+        <p:nvPr/>
+      </p:nvGrpSpPr>
+      <p:grpSpPr>
+        <a:xfrm>
+          <a:off x="0" y="0"/>
+          <a:ext cx="0" cy="0"/>
+          <a:chOff x="0" y="0"/>
+          <a:chExt cx="0" cy="0"/>
+        </a:xfrm>
+      </p:grpSpPr>
+      <p:sp>
+        <p:nvSpPr>
+          <p:cNvPr id="2" name="Title 1">
+            <a:extLst>
+              <a:ext uri="{FF2B5EF4-FFF2-40B4-BE49-F238E27FC236}">
+                <a16:creationId xmlns:a16="http://schemas.microsoft.com/office/drawing/2014/main" id="{3FF14CF7-28DF-CC2A-CCC3-7C16CA648D1A}"/>
+              </a:ext>
+            </a:extLst>
+          </p:cNvPr>
+          <p:cNvSpPr>
+            <a:spLocks noGrp="1"/>
+          </p:cNvSpPr>
+          <p:nvPr>
+            <p:ph type="title"/>
+          </p:nvPr>
+        </p:nvSpPr>
+        <p:spPr/>
+        <p:txBody>
+          <a:bodyPr/>
+          <a:lstStyle/>
+          <a:p>
+            <a:r>
+              <a:rPr lang="en-US" dirty="0"/>
+              <a:t>Fat right tail - Hungary</a:t>
+            </a:r>
+            <a:endParaRPr lang="en-IN" dirty="0"/>
+          </a:p>
+        </p:txBody>
+      </p:sp>
+      <p:pic>
+        <p:nvPicPr>
+          <p:cNvPr id="5" name="Content Placeholder 4">
+            <a:extLst>
+              <a:ext uri="{FF2B5EF4-FFF2-40B4-BE49-F238E27FC236}">
+                <a16:creationId xmlns:a16="http://schemas.microsoft.com/office/drawing/2014/main" id="{AC479BC4-E235-3794-CFB7-9FEC28DB3853}"/>
+              </a:ext>
+            </a:extLst>
+          </p:cNvPr>
+          <p:cNvPicPr>
+            <a:picLocks noGrp="1" noChangeAspect="1"/>
+          </p:cNvPicPr>
+          <p:nvPr>
+            <p:ph idx="1"/>
+          </p:nvPr>
+        </p:nvPicPr>
+        <p:blipFill>
+          <a:blip r:embed="rId2">
+            <a:extLst>
+              <a:ext uri="{28A0092B-C50C-407E-A947-70E740481C1C}">
+                <a14:useLocalDpi xmlns:a14="http://schemas.microsoft.com/office/drawing/2010/main" val="0"/>
+              </a:ext>
+            </a:extLst>
+          </a:blip>
+          <a:stretch>
+            <a:fillRect/>
+          </a:stretch>
+        </p:blipFill>
+        <p:spPr>
+          <a:xfrm>
+            <a:off x="1269631" y="1606062"/>
+            <a:ext cx="9456983" cy="4693315"/>
+          </a:xfrm>
+        </p:spPr>
+      </p:pic>
+    </p:spTree>
+    <p:extLst>
+      <p:ext uri="{BB962C8B-B14F-4D97-AF65-F5344CB8AC3E}">
+        <p14:creationId xmlns:p14="http://schemas.microsoft.com/office/powerpoint/2010/main" val="2343181870"/>
+      </p:ext>
+    </p:extLst>
+  </p:cSld>
+  <p:clrMapOvr>
+    <a:masterClrMapping/>
+  </p:clrMapOvr>
+</p:sld>
+</file>
+
+<file path=ppt/slides/slide5.xml><?xml version="1.0" encoding="utf-8"?>
+<p:sld xmlns:a="http://schemas.openxmlformats.org/drawingml/2006/main" xmlns:r="http://schemas.openxmlformats.org/officeDocument/2006/relationships" xmlns:p="http://schemas.openxmlformats.org/presentationml/2006/main">
+  <p:cSld>
+    <p:spTree>
+      <p:nvGrpSpPr>
+        <p:cNvPr id="1" name=""/>
+        <p:cNvGrpSpPr/>
+        <p:nvPr/>
+      </p:nvGrpSpPr>
+      <p:grpSpPr>
+        <a:xfrm>
+          <a:off x="0" y="0"/>
+          <a:ext cx="0" cy="0"/>
+          <a:chOff x="0" y="0"/>
+          <a:chExt cx="0" cy="0"/>
+        </a:xfrm>
+      </p:grpSpPr>
+      <p:sp>
+        <p:nvSpPr>
+          <p:cNvPr id="2" name="Title 1">
+            <a:extLst>
+              <a:ext uri="{FF2B5EF4-FFF2-40B4-BE49-F238E27FC236}">
+                <a16:creationId xmlns:a16="http://schemas.microsoft.com/office/drawing/2014/main" id="{51EA6D9D-3AA7-9E41-1B6D-7011F3006993}"/>
+              </a:ext>
+            </a:extLst>
+          </p:cNvPr>
+          <p:cNvSpPr>
+            <a:spLocks noGrp="1"/>
+          </p:cNvSpPr>
+          <p:nvPr>
+            <p:ph type="title"/>
+          </p:nvPr>
+        </p:nvSpPr>
+        <p:spPr/>
+        <p:txBody>
+          <a:bodyPr/>
+          <a:lstStyle/>
+          <a:p>
+            <a:r>
+              <a:rPr lang="en-US" dirty="0"/>
+              <a:t>Symmetric and stable (slightly fat left tail) - Belgium</a:t>
+            </a:r>
+            <a:endParaRPr lang="en-IN" dirty="0"/>
+          </a:p>
+        </p:txBody>
+      </p:sp>
+      <p:pic>
+        <p:nvPicPr>
+          <p:cNvPr id="5" name="Content Placeholder 4">
+            <a:extLst>
+              <a:ext uri="{FF2B5EF4-FFF2-40B4-BE49-F238E27FC236}">
+                <a16:creationId xmlns:a16="http://schemas.microsoft.com/office/drawing/2014/main" id="{344A9D32-F02F-B0E5-2544-495B1F602C46}"/>
+              </a:ext>
+            </a:extLst>
+          </p:cNvPr>
+          <p:cNvPicPr>
+            <a:picLocks noGrp="1" noChangeAspect="1"/>
+          </p:cNvPicPr>
+          <p:nvPr>
+            <p:ph idx="1"/>
+          </p:nvPr>
+        </p:nvPicPr>
+        <p:blipFill>
+          <a:blip r:embed="rId2">
+            <a:extLst>
+              <a:ext uri="{28A0092B-C50C-407E-A947-70E740481C1C}">
+                <a14:useLocalDpi xmlns:a14="http://schemas.microsoft.com/office/drawing/2010/main" val="0"/>
+              </a:ext>
+            </a:extLst>
+          </a:blip>
+          <a:stretch>
+            <a:fillRect/>
+          </a:stretch>
+        </p:blipFill>
+        <p:spPr>
+          <a:xfrm>
+            <a:off x="885571" y="1459773"/>
+            <a:ext cx="9753121" cy="4840282"/>
+          </a:xfrm>
+        </p:spPr>
+      </p:pic>
+    </p:spTree>
+    <p:extLst>
+      <p:ext uri="{BB962C8B-B14F-4D97-AF65-F5344CB8AC3E}">
+        <p14:creationId xmlns:p14="http://schemas.microsoft.com/office/powerpoint/2010/main" val="4032737136"/>
+      </p:ext>
+    </p:extLst>
+  </p:cSld>
+  <p:clrMapOvr>
+    <a:masterClrMapping/>
+  </p:clrMapOvr>
+</p:sld>
+</file>
+
+<file path=ppt/slides/slide6.xml><?xml version="1.0" encoding="utf-8"?>
+<p:sld xmlns:a="http://schemas.openxmlformats.org/drawingml/2006/main" xmlns:r="http://schemas.openxmlformats.org/officeDocument/2006/relationships" xmlns:p="http://schemas.openxmlformats.org/presentationml/2006/main">
+  <p:cSld>
+    <p:spTree>
+      <p:nvGrpSpPr>
+        <p:cNvPr id="1" name=""/>
+        <p:cNvGrpSpPr/>
+        <p:nvPr/>
+      </p:nvGrpSpPr>
+      <p:grpSpPr>
+        <a:xfrm>
+          <a:off x="0" y="0"/>
+          <a:ext cx="0" cy="0"/>
+          <a:chOff x="0" y="0"/>
+          <a:chExt cx="0" cy="0"/>
+        </a:xfrm>
+      </p:grpSpPr>
+      <p:sp>
+        <p:nvSpPr>
+          <p:cNvPr id="2" name="Title 1">
+            <a:extLst>
+              <a:ext uri="{FF2B5EF4-FFF2-40B4-BE49-F238E27FC236}">
+                <a16:creationId xmlns:a16="http://schemas.microsoft.com/office/drawing/2014/main" id="{7A03B57E-B43D-15DF-A048-ECE008105F74}"/>
+              </a:ext>
+            </a:extLst>
+          </p:cNvPr>
+          <p:cNvSpPr>
+            <a:spLocks noGrp="1"/>
+          </p:cNvSpPr>
+          <p:nvPr>
+            <p:ph type="title"/>
+          </p:nvPr>
+        </p:nvSpPr>
+        <p:spPr/>
+        <p:txBody>
+          <a:bodyPr/>
+          <a:lstStyle/>
+          <a:p>
+            <a:r>
+              <a:rPr lang="en-US" dirty="0"/>
+              <a:t>Fat tails - Cyprus</a:t>
+            </a:r>
+            <a:endParaRPr lang="en-IN" dirty="0"/>
+          </a:p>
+        </p:txBody>
+      </p:sp>
+      <p:pic>
+        <p:nvPicPr>
+          <p:cNvPr id="5" name="Content Placeholder 4">
+            <a:extLst>
+              <a:ext uri="{FF2B5EF4-FFF2-40B4-BE49-F238E27FC236}">
+                <a16:creationId xmlns:a16="http://schemas.microsoft.com/office/drawing/2014/main" id="{369A994A-7DD7-9B3E-8AA3-D34EC6AA2074}"/>
+              </a:ext>
+            </a:extLst>
+          </p:cNvPr>
+          <p:cNvPicPr>
+            <a:picLocks noGrp="1" noChangeAspect="1"/>
+          </p:cNvPicPr>
+          <p:nvPr>
+            <p:ph idx="1"/>
+          </p:nvPr>
+        </p:nvPicPr>
+        <p:blipFill>
+          <a:blip r:embed="rId2">
+            <a:extLst>
+              <a:ext uri="{28A0092B-C50C-407E-A947-70E740481C1C}">
+                <a14:useLocalDpi xmlns:a14="http://schemas.microsoft.com/office/drawing/2010/main" val="0"/>
+              </a:ext>
+            </a:extLst>
+          </a:blip>
+          <a:stretch>
+            <a:fillRect/>
+          </a:stretch>
+        </p:blipFill>
+        <p:spPr>
+          <a:xfrm>
+            <a:off x="1712048" y="1825625"/>
+            <a:ext cx="8767903" cy="4351338"/>
+          </a:xfrm>
+        </p:spPr>
+      </p:pic>
+    </p:spTree>
+    <p:extLst>
+      <p:ext uri="{BB962C8B-B14F-4D97-AF65-F5344CB8AC3E}">
+        <p14:creationId xmlns:p14="http://schemas.microsoft.com/office/powerpoint/2010/main" val="2946962520"/>
+      </p:ext>
+    </p:extLst>
+  </p:cSld>
+  <p:clrMapOvr>
+    <a:masterClrMapping/>
+  </p:clrMapOvr>
+</p:sld>
+</file>
+
+<file path=ppt/slides/slide7.xml><?xml version="1.0" encoding="utf-8"?>
+<p:sld xmlns:a="http://schemas.openxmlformats.org/drawingml/2006/main" xmlns:r="http://schemas.openxmlformats.org/officeDocument/2006/relationships" xmlns:p="http://schemas.openxmlformats.org/presentationml/2006/main">
+  <p:cSld>
+    <p:spTree>
+      <p:nvGrpSpPr>
+        <p:cNvPr id="1" name=""/>
+        <p:cNvGrpSpPr/>
+        <p:nvPr/>
+      </p:nvGrpSpPr>
+      <p:grpSpPr>
+        <a:xfrm>
+          <a:off x="0" y="0"/>
+          <a:ext cx="0" cy="0"/>
+          <a:chOff x="0" y="0"/>
+          <a:chExt cx="0" cy="0"/>
+        </a:xfrm>
+      </p:grpSpPr>
+      <p:sp>
+        <p:nvSpPr>
+          <p:cNvPr id="2" name="Title 1">
+            <a:extLst>
+              <a:ext uri="{FF2B5EF4-FFF2-40B4-BE49-F238E27FC236}">
+                <a16:creationId xmlns:a16="http://schemas.microsoft.com/office/drawing/2014/main" id="{E15374C5-DD38-368C-EF1D-658B4954EE10}"/>
+              </a:ext>
+            </a:extLst>
+          </p:cNvPr>
+          <p:cNvSpPr>
+            <a:spLocks noGrp="1"/>
+          </p:cNvSpPr>
+          <p:nvPr>
+            <p:ph type="title"/>
+          </p:nvPr>
+        </p:nvSpPr>
+        <p:spPr/>
+        <p:txBody>
+          <a:bodyPr/>
+          <a:lstStyle/>
+          <a:p>
+            <a:r>
+              <a:rPr lang="en-US" dirty="0"/>
+              <a:t>Malta</a:t>
+            </a:r>
+            <a:endParaRPr lang="en-IN" dirty="0"/>
+          </a:p>
+        </p:txBody>
+      </p:sp>
+      <p:pic>
+        <p:nvPicPr>
+          <p:cNvPr id="5" name="Content Placeholder 4">
+            <a:extLst>
+              <a:ext uri="{FF2B5EF4-FFF2-40B4-BE49-F238E27FC236}">
+                <a16:creationId xmlns:a16="http://schemas.microsoft.com/office/drawing/2014/main" id="{7277E825-848F-1B88-A6B9-5420CE8D6A63}"/>
+              </a:ext>
+            </a:extLst>
+          </p:cNvPr>
+          <p:cNvPicPr>
+            <a:picLocks noGrp="1" noChangeAspect="1"/>
+          </p:cNvPicPr>
+          <p:nvPr>
+            <p:ph idx="1"/>
+          </p:nvPr>
+        </p:nvPicPr>
+        <p:blipFill>
+          <a:blip r:embed="rId2">
+            <a:extLst>
+              <a:ext uri="{28A0092B-C50C-407E-A947-70E740481C1C}">
+                <a14:useLocalDpi xmlns:a14="http://schemas.microsoft.com/office/drawing/2010/main" val="0"/>
+              </a:ext>
+            </a:extLst>
+          </a:blip>
+          <a:stretch>
+            <a:fillRect/>
+          </a:stretch>
+        </p:blipFill>
+        <p:spPr>
+          <a:xfrm>
+            <a:off x="466486" y="1207477"/>
+            <a:ext cx="10499928" cy="5210908"/>
+          </a:xfrm>
+        </p:spPr>
+      </p:pic>
+    </p:spTree>
+    <p:extLst>
+      <p:ext uri="{BB962C8B-B14F-4D97-AF65-F5344CB8AC3E}">
+        <p14:creationId xmlns:p14="http://schemas.microsoft.com/office/powerpoint/2010/main" val="3894621055"/>
+      </p:ext>
+    </p:extLst>
+  </p:cSld>
+  <p:clrMapOvr>
+    <a:masterClrMapping/>
+  </p:clrMapOvr>
+</p:sld>
+</file>
+
+<file path=ppt/slides/slide8.xml><?xml version="1.0" encoding="utf-8"?>
+<p:sld xmlns:a="http://schemas.openxmlformats.org/drawingml/2006/main" xmlns:r="http://schemas.openxmlformats.org/officeDocument/2006/relationships" xmlns:p="http://schemas.openxmlformats.org/presentationml/2006/main">
+  <p:cSld>
+    <p:spTree>
+      <p:nvGrpSpPr>
+        <p:cNvPr id="1" name=""/>
+        <p:cNvGrpSpPr/>
+        <p:nvPr/>
+      </p:nvGrpSpPr>
+      <p:grpSpPr>
+        <a:xfrm>
+          <a:off x="0" y="0"/>
+          <a:ext cx="0" cy="0"/>
+          <a:chOff x="0" y="0"/>
+          <a:chExt cx="0" cy="0"/>
+        </a:xfrm>
+      </p:grpSpPr>
+      <p:sp>
+        <p:nvSpPr>
+          <p:cNvPr id="2" name="Title 1">
+            <a:extLst>
+              <a:ext uri="{FF2B5EF4-FFF2-40B4-BE49-F238E27FC236}">
+                <a16:creationId xmlns:a16="http://schemas.microsoft.com/office/drawing/2014/main" id="{E6FF0CEA-F067-7857-3057-DE2DB6DD2994}"/>
+              </a:ext>
+            </a:extLst>
+          </p:cNvPr>
+          <p:cNvSpPr>
+            <a:spLocks noGrp="1"/>
+          </p:cNvSpPr>
+          <p:nvPr>
+            <p:ph type="title"/>
+          </p:nvPr>
+        </p:nvSpPr>
+        <p:spPr/>
+        <p:txBody>
+          <a:bodyPr/>
+          <a:lstStyle/>
+          <a:p>
+            <a:r>
+              <a:rPr lang="en-US" dirty="0"/>
+              <a:t>Thin center - Netherlands</a:t>
+            </a:r>
+            <a:endParaRPr lang="en-IN" dirty="0"/>
+          </a:p>
+        </p:txBody>
+      </p:sp>
+      <p:pic>
+        <p:nvPicPr>
+          <p:cNvPr id="5" name="Content Placeholder 4">
+            <a:extLst>
+              <a:ext uri="{FF2B5EF4-FFF2-40B4-BE49-F238E27FC236}">
+                <a16:creationId xmlns:a16="http://schemas.microsoft.com/office/drawing/2014/main" id="{1B5651BD-FC5F-C87F-B571-F76E414C34EF}"/>
+              </a:ext>
+            </a:extLst>
+          </p:cNvPr>
+          <p:cNvPicPr>
+            <a:picLocks noGrp="1" noChangeAspect="1"/>
+          </p:cNvPicPr>
+          <p:nvPr>
+            <p:ph idx="1"/>
+          </p:nvPr>
+        </p:nvPicPr>
+        <p:blipFill>
+          <a:blip r:embed="rId2">
+            <a:extLst>
+              <a:ext uri="{28A0092B-C50C-407E-A947-70E740481C1C}">
+                <a14:useLocalDpi xmlns:a14="http://schemas.microsoft.com/office/drawing/2010/main" val="0"/>
+              </a:ext>
+            </a:extLst>
+          </a:blip>
+          <a:stretch>
+            <a:fillRect/>
+          </a:stretch>
+        </p:blipFill>
+        <p:spPr>
+          <a:xfrm>
+            <a:off x="1712048" y="1825625"/>
+            <a:ext cx="8767903" cy="4351338"/>
+          </a:xfrm>
+        </p:spPr>
+      </p:pic>
+    </p:spTree>
+    <p:extLst>
+      <p:ext uri="{BB962C8B-B14F-4D97-AF65-F5344CB8AC3E}">
+        <p14:creationId xmlns:p14="http://schemas.microsoft.com/office/powerpoint/2010/main" val="1490549091"/>
+      </p:ext>
+    </p:extLst>
+  </p:cSld>
+  <p:clrMapOvr>
+    <a:masterClrMapping/>
+  </p:clrMapOvr>
+</p:sld>
+</file>
+
+<file path=ppt/slides/slide9.xml><?xml version="1.0" encoding="utf-8"?>
+<p:sld xmlns:a="http://schemas.openxmlformats.org/drawingml/2006/main" xmlns:r="http://schemas.openxmlformats.org/officeDocument/2006/relationships" xmlns:p="http://schemas.openxmlformats.org/presentationml/2006/main">
+  <p:cSld>
+    <p:spTree>
+      <p:nvGrpSpPr>
+        <p:cNvPr id="1" name=""/>
+        <p:cNvGrpSpPr/>
+        <p:nvPr/>
+      </p:nvGrpSpPr>
+      <p:grpSpPr>
+        <a:xfrm>
+          <a:off x="0" y="0"/>
+          <a:ext cx="0" cy="0"/>
+          <a:chOff x="0" y="0"/>
+          <a:chExt cx="0" cy="0"/>
+        </a:xfrm>
+      </p:grpSpPr>
+      <p:sp>
+        <p:nvSpPr>
+          <p:cNvPr id="2" name="Title 1">
+            <a:extLst>
+              <a:ext uri="{FF2B5EF4-FFF2-40B4-BE49-F238E27FC236}">
+                <a16:creationId xmlns:a16="http://schemas.microsoft.com/office/drawing/2014/main" id="{3A9AF3E5-9B48-806A-F41E-343D7CAEDE60}"/>
+              </a:ext>
+            </a:extLst>
+          </p:cNvPr>
+          <p:cNvSpPr>
+            <a:spLocks noGrp="1"/>
+          </p:cNvSpPr>
+          <p:nvPr>
+            <p:ph type="title"/>
+          </p:nvPr>
+        </p:nvSpPr>
+        <p:spPr/>
+        <p:txBody>
+          <a:bodyPr/>
+          <a:lstStyle/>
+          <a:p>
+            <a:r>
+              <a:rPr lang="en-US" dirty="0"/>
+              <a:t>The Only Dramatic Shift – UK during Brexit</a:t>
+            </a:r>
+            <a:endParaRPr lang="en-IN" dirty="0"/>
+          </a:p>
+        </p:txBody>
+      </p:sp>
+      <p:pic>
+        <p:nvPicPr>
+          <p:cNvPr id="5" name="Content Placeholder 4">
+            <a:extLst>
+              <a:ext uri="{FF2B5EF4-FFF2-40B4-BE49-F238E27FC236}">
+                <a16:creationId xmlns:a16="http://schemas.microsoft.com/office/drawing/2014/main" id="{8CFF440C-5D37-C0C7-DE3E-A5221F3B7B02}"/>
+              </a:ext>
+            </a:extLst>
+          </p:cNvPr>
+          <p:cNvPicPr>
+            <a:picLocks noGrp="1" noChangeAspect="1"/>
+          </p:cNvPicPr>
+          <p:nvPr>
+            <p:ph idx="1"/>
+          </p:nvPr>
+        </p:nvPicPr>
+        <p:blipFill>
+          <a:blip r:embed="rId2">
+            <a:extLst>
+              <a:ext uri="{28A0092B-C50C-407E-A947-70E740481C1C}">
+                <a14:useLocalDpi xmlns:a14="http://schemas.microsoft.com/office/drawing/2010/main" val="0"/>
+              </a:ext>
+            </a:extLst>
+          </a:blip>
+          <a:stretch>
+            <a:fillRect/>
+          </a:stretch>
+        </p:blipFill>
+        <p:spPr>
+          <a:xfrm>
+            <a:off x="1712048" y="1825625"/>
+            <a:ext cx="8767903" cy="4351338"/>
+          </a:xfrm>
+        </p:spPr>
+      </p:pic>
+    </p:spTree>
+    <p:extLst>
+      <p:ext uri="{BB962C8B-B14F-4D97-AF65-F5344CB8AC3E}">
+        <p14:creationId xmlns:p14="http://schemas.microsoft.com/office/powerpoint/2010/main" val="350912508"/>
       </p:ext>
     </p:extLst>
   </p:cSld>
